--- a/M16-delaunay_triangulation.pptx
+++ b/M16-delaunay_triangulation.pptx
@@ -229,7 +229,7 @@
           <a:p>
             <a:fld id="{C787A165-4FDD-49E5-9F6D-D505BB88ABC6}" type="datetimeFigureOut">
               <a:rPr lang="en-US" smtClean="0"/>
-              <a:t>11/12/19</a:t>
+              <a:t>8/10/20</a:t>
             </a:fld>
             <a:endParaRPr lang="en-US"/>
           </a:p>
@@ -395,7 +395,7 @@
           <a:p>
             <a:fld id="{5D612DD9-5214-4F09-A917-0755DC49A4D5}" type="datetimeFigureOut">
               <a:rPr lang="en-US" smtClean="0"/>
-              <a:t>11/12/19</a:t>
+              <a:t>8/10/20</a:t>
             </a:fld>
             <a:endParaRPr lang="en-US"/>
           </a:p>
@@ -1076,7 +1076,7 @@
           </a:ln>
           <a:extLst>
             <a:ext uri="{909E8E84-426E-40dd-AFC4-6F175D3DCCD1}">
-              <a14:hiddenFill xmlns="" xmlns:a14="http://schemas.microsoft.com/office/drawing/2010/main">
+              <a14:hiddenFill xmlns:a14="http://schemas.microsoft.com/office/drawing/2010/main" xmlns="">
                 <a:solidFill>
                   <a:srgbClr val="FFFFFF"/>
                 </a:solidFill>
@@ -1122,7 +1122,7 @@
           </a:ln>
           <a:extLst>
             <a:ext uri="{909E8E84-426E-40dd-AFC4-6F175D3DCCD1}">
-              <a14:hiddenFill xmlns="" xmlns:a14="http://schemas.microsoft.com/office/drawing/2010/main">
+              <a14:hiddenFill xmlns:a14="http://schemas.microsoft.com/office/drawing/2010/main" xmlns="">
                 <a:solidFill>
                   <a:srgbClr val="FFFFFF"/>
                 </a:solidFill>
@@ -1168,7 +1168,7 @@
           </a:ln>
           <a:extLst>
             <a:ext uri="{909E8E84-426E-40dd-AFC4-6F175D3DCCD1}">
-              <a14:hiddenFill xmlns="" xmlns:a14="http://schemas.microsoft.com/office/drawing/2010/main">
+              <a14:hiddenFill xmlns:a14="http://schemas.microsoft.com/office/drawing/2010/main" xmlns="">
                 <a:solidFill>
                   <a:srgbClr val="FFFFFF"/>
                 </a:solidFill>
@@ -1212,7 +1212,7 @@
           </a:ln>
           <a:extLst>
             <a:ext uri="{909E8E84-426E-40dd-AFC4-6F175D3DCCD1}">
-              <a14:hiddenFill xmlns="" xmlns:a14="http://schemas.microsoft.com/office/drawing/2010/main">
+              <a14:hiddenFill xmlns:a14="http://schemas.microsoft.com/office/drawing/2010/main" xmlns="">
                 <a:solidFill>
                   <a:srgbClr val="FFFFFF"/>
                 </a:solidFill>
@@ -1258,7 +1258,7 @@
           </a:ln>
           <a:extLst>
             <a:ext uri="{909E8E84-426E-40dd-AFC4-6F175D3DCCD1}">
-              <a14:hiddenFill xmlns="" xmlns:a14="http://schemas.microsoft.com/office/drawing/2010/main">
+              <a14:hiddenFill xmlns:a14="http://schemas.microsoft.com/office/drawing/2010/main" xmlns="">
                 <a:solidFill>
                   <a:srgbClr val="FFFFFF"/>
                 </a:solidFill>
@@ -1304,7 +1304,7 @@
           </a:ln>
           <a:extLst>
             <a:ext uri="{909E8E84-426E-40dd-AFC4-6F175D3DCCD1}">
-              <a14:hiddenFill xmlns="" xmlns:a14="http://schemas.microsoft.com/office/drawing/2010/main">
+              <a14:hiddenFill xmlns:a14="http://schemas.microsoft.com/office/drawing/2010/main" xmlns="">
                 <a:solidFill>
                   <a:srgbClr val="FFFFFF"/>
                 </a:solidFill>
@@ -1605,213 +1605,6 @@
           </a:p>
         </p:txBody>
       </p:sp>
-      <p:sp>
-        <p:nvSpPr>
-          <p:cNvPr id="20" name="Subtitle 2">
-            <a:extLst>
-              <a:ext uri="{FF2B5EF4-FFF2-40B4-BE49-F238E27FC236}">
-                <a16:creationId xmlns:a16="http://schemas.microsoft.com/office/drawing/2014/main" id="{FEC5CEB5-FFF5-064D-9948-3644B345D677}"/>
-              </a:ext>
-            </a:extLst>
-          </p:cNvPr>
-          <p:cNvSpPr txBox="1">
-            <a:spLocks/>
-          </p:cNvSpPr>
-          <p:nvPr userDrawn="1"/>
-        </p:nvSpPr>
-        <p:spPr>
-          <a:xfrm>
-            <a:off x="749301" y="4836803"/>
-            <a:ext cx="7356107" cy="268597"/>
-          </a:xfrm>
-          <a:prstGeom prst="rect">
-            <a:avLst/>
-          </a:prstGeom>
-        </p:spPr>
-        <p:txBody>
-          <a:bodyPr vert="horz" lIns="91440" tIns="45720" rIns="91440" bIns="45720" rtlCol="0" anchor="ctr">
-            <a:normAutofit fontScale="92500" lnSpcReduction="10000"/>
-          </a:bodyPr>
-          <a:lstStyle>
-            <a:lvl1pPr marL="228588" indent="-228588" algn="l" defTabSz="914353" rtl="0" eaLnBrk="1" latinLnBrk="0" hangingPunct="1">
-              <a:lnSpc>
-                <a:spcPct val="90000"/>
-              </a:lnSpc>
-              <a:spcBef>
-                <a:spcPts val="1000"/>
-              </a:spcBef>
-              <a:buFont typeface="Arial" panose="020B0604020202020204" pitchFamily="34" charset="0"/>
-              <a:buChar char="•"/>
-              <a:defRPr sz="2800" kern="1200">
-                <a:solidFill>
-                  <a:schemeClr val="tx1"/>
-                </a:solidFill>
-                <a:latin typeface="Gill Sans MT" panose="020B0502020104020203" pitchFamily="34" charset="0"/>
-                <a:ea typeface="+mn-ea"/>
-                <a:cs typeface="+mn-cs"/>
-              </a:defRPr>
-            </a:lvl1pPr>
-            <a:lvl2pPr marL="685765" indent="-228588" algn="l" defTabSz="914353" rtl="0" eaLnBrk="1" latinLnBrk="0" hangingPunct="1">
-              <a:lnSpc>
-                <a:spcPct val="90000"/>
-              </a:lnSpc>
-              <a:spcBef>
-                <a:spcPts val="500"/>
-              </a:spcBef>
-              <a:buFont typeface="Arial" panose="020B0604020202020204" pitchFamily="34" charset="0"/>
-              <a:buChar char="•"/>
-              <a:defRPr sz="2400" kern="1200">
-                <a:solidFill>
-                  <a:schemeClr val="tx1"/>
-                </a:solidFill>
-                <a:latin typeface="Gill Sans MT" panose="020B0502020104020203" pitchFamily="34" charset="0"/>
-                <a:ea typeface="+mn-ea"/>
-                <a:cs typeface="+mn-cs"/>
-              </a:defRPr>
-            </a:lvl2pPr>
-            <a:lvl3pPr marL="1142942" indent="-228588" algn="l" defTabSz="914353" rtl="0" eaLnBrk="1" latinLnBrk="0" hangingPunct="1">
-              <a:lnSpc>
-                <a:spcPct val="90000"/>
-              </a:lnSpc>
-              <a:spcBef>
-                <a:spcPts val="500"/>
-              </a:spcBef>
-              <a:buFont typeface="Arial" panose="020B0604020202020204" pitchFamily="34" charset="0"/>
-              <a:buChar char="•"/>
-              <a:defRPr sz="2000" kern="1200">
-                <a:solidFill>
-                  <a:schemeClr val="tx1"/>
-                </a:solidFill>
-                <a:latin typeface="Gill Sans MT" panose="020B0502020104020203" pitchFamily="34" charset="0"/>
-                <a:ea typeface="+mn-ea"/>
-                <a:cs typeface="+mn-cs"/>
-              </a:defRPr>
-            </a:lvl3pPr>
-            <a:lvl4pPr marL="1600118" indent="-228588" algn="l" defTabSz="914353" rtl="0" eaLnBrk="1" latinLnBrk="0" hangingPunct="1">
-              <a:lnSpc>
-                <a:spcPct val="90000"/>
-              </a:lnSpc>
-              <a:spcBef>
-                <a:spcPts val="500"/>
-              </a:spcBef>
-              <a:buFont typeface="Arial" panose="020B0604020202020204" pitchFamily="34" charset="0"/>
-              <a:buChar char="•"/>
-              <a:defRPr sz="1800" kern="1200">
-                <a:solidFill>
-                  <a:schemeClr val="tx1"/>
-                </a:solidFill>
-                <a:latin typeface="Gill Sans MT" panose="020B0502020104020203" pitchFamily="34" charset="0"/>
-                <a:ea typeface="+mn-ea"/>
-                <a:cs typeface="+mn-cs"/>
-              </a:defRPr>
-            </a:lvl4pPr>
-            <a:lvl5pPr marL="2057295" indent="-228588" algn="l" defTabSz="914353" rtl="0" eaLnBrk="1" latinLnBrk="0" hangingPunct="1">
-              <a:lnSpc>
-                <a:spcPct val="90000"/>
-              </a:lnSpc>
-              <a:spcBef>
-                <a:spcPts val="500"/>
-              </a:spcBef>
-              <a:buFont typeface="Arial" panose="020B0604020202020204" pitchFamily="34" charset="0"/>
-              <a:buChar char="•"/>
-              <a:defRPr sz="1800" kern="1200">
-                <a:solidFill>
-                  <a:schemeClr val="tx1"/>
-                </a:solidFill>
-                <a:latin typeface="Gill Sans MT" panose="020B0502020104020203" pitchFamily="34" charset="0"/>
-                <a:ea typeface="+mn-ea"/>
-                <a:cs typeface="+mn-cs"/>
-              </a:defRPr>
-            </a:lvl5pPr>
-            <a:lvl6pPr marL="2514471" indent="-228588" algn="l" defTabSz="914353" rtl="0" eaLnBrk="1" latinLnBrk="0" hangingPunct="1">
-              <a:lnSpc>
-                <a:spcPct val="90000"/>
-              </a:lnSpc>
-              <a:spcBef>
-                <a:spcPts val="500"/>
-              </a:spcBef>
-              <a:buFont typeface="Arial" panose="020B0604020202020204" pitchFamily="34" charset="0"/>
-              <a:buChar char="•"/>
-              <a:defRPr sz="1800" kern="1200">
-                <a:solidFill>
-                  <a:schemeClr val="tx1"/>
-                </a:solidFill>
-                <a:latin typeface="+mn-lt"/>
-                <a:ea typeface="+mn-ea"/>
-                <a:cs typeface="+mn-cs"/>
-              </a:defRPr>
-            </a:lvl6pPr>
-            <a:lvl7pPr marL="2971648" indent="-228588" algn="l" defTabSz="914353" rtl="0" eaLnBrk="1" latinLnBrk="0" hangingPunct="1">
-              <a:lnSpc>
-                <a:spcPct val="90000"/>
-              </a:lnSpc>
-              <a:spcBef>
-                <a:spcPts val="500"/>
-              </a:spcBef>
-              <a:buFont typeface="Arial" panose="020B0604020202020204" pitchFamily="34" charset="0"/>
-              <a:buChar char="•"/>
-              <a:defRPr sz="1800" kern="1200">
-                <a:solidFill>
-                  <a:schemeClr val="tx1"/>
-                </a:solidFill>
-                <a:latin typeface="+mn-lt"/>
-                <a:ea typeface="+mn-ea"/>
-                <a:cs typeface="+mn-cs"/>
-              </a:defRPr>
-            </a:lvl7pPr>
-            <a:lvl8pPr marL="3428825" indent="-228588" algn="l" defTabSz="914353" rtl="0" eaLnBrk="1" latinLnBrk="0" hangingPunct="1">
-              <a:lnSpc>
-                <a:spcPct val="90000"/>
-              </a:lnSpc>
-              <a:spcBef>
-                <a:spcPts val="500"/>
-              </a:spcBef>
-              <a:buFont typeface="Arial" panose="020B0604020202020204" pitchFamily="34" charset="0"/>
-              <a:buChar char="•"/>
-              <a:defRPr sz="1800" kern="1200">
-                <a:solidFill>
-                  <a:schemeClr val="tx1"/>
-                </a:solidFill>
-                <a:latin typeface="+mn-lt"/>
-                <a:ea typeface="+mn-ea"/>
-                <a:cs typeface="+mn-cs"/>
-              </a:defRPr>
-            </a:lvl8pPr>
-            <a:lvl9pPr marL="3886001" indent="-228588" algn="l" defTabSz="914353" rtl="0" eaLnBrk="1" latinLnBrk="0" hangingPunct="1">
-              <a:lnSpc>
-                <a:spcPct val="90000"/>
-              </a:lnSpc>
-              <a:spcBef>
-                <a:spcPts val="500"/>
-              </a:spcBef>
-              <a:buFont typeface="Arial" panose="020B0604020202020204" pitchFamily="34" charset="0"/>
-              <a:buChar char="•"/>
-              <a:defRPr sz="1800" kern="1200">
-                <a:solidFill>
-                  <a:schemeClr val="tx1"/>
-                </a:solidFill>
-                <a:latin typeface="+mn-lt"/>
-                <a:ea typeface="+mn-ea"/>
-                <a:cs typeface="+mn-cs"/>
-              </a:defRPr>
-            </a:lvl9pPr>
-          </a:lstStyle>
-          <a:p>
-            <a:pPr marL="0" indent="0">
-              <a:buNone/>
-            </a:pPr>
-            <a:r>
-              <a:rPr lang="en-US" sz="1400" kern="0" baseline="0" dirty="0"/>
-              <a:t>Some slides from Valentina </a:t>
-            </a:r>
-            <a:r>
-              <a:rPr lang="en-US" sz="1400" kern="0" baseline="0" dirty="0" err="1"/>
-              <a:t>Korzhova</a:t>
-            </a:r>
-            <a:endParaRPr lang="en-US" sz="1400" kern="0" baseline="0" dirty="0"/>
-          </a:p>
-        </p:txBody>
-      </p:sp>
     </p:spTree>
     <p:extLst>
       <p:ext uri="{BB962C8B-B14F-4D97-AF65-F5344CB8AC3E}">
@@ -4945,7 +4738,7 @@
           </a:ln>
           <a:extLst>
             <a:ext uri="{909E8E84-426E-40dd-AFC4-6F175D3DCCD1}">
-              <a14:hiddenFill xmlns="" xmlns:a14="http://schemas.microsoft.com/office/drawing/2010/main">
+              <a14:hiddenFill xmlns:a14="http://schemas.microsoft.com/office/drawing/2010/main" xmlns="">
                 <a:solidFill>
                   <a:srgbClr val="FFFFFF"/>
                 </a:solidFill>
@@ -4991,7 +4784,7 @@
           </a:ln>
           <a:extLst>
             <a:ext uri="{909E8E84-426E-40dd-AFC4-6F175D3DCCD1}">
-              <a14:hiddenFill xmlns="" xmlns:a14="http://schemas.microsoft.com/office/drawing/2010/main">
+              <a14:hiddenFill xmlns:a14="http://schemas.microsoft.com/office/drawing/2010/main" xmlns="">
                 <a:solidFill>
                   <a:srgbClr val="FFFFFF"/>
                 </a:solidFill>
@@ -5037,7 +4830,7 @@
           </a:ln>
           <a:extLst>
             <a:ext uri="{909E8E84-426E-40dd-AFC4-6F175D3DCCD1}">
-              <a14:hiddenFill xmlns="" xmlns:a14="http://schemas.microsoft.com/office/drawing/2010/main">
+              <a14:hiddenFill xmlns:a14="http://schemas.microsoft.com/office/drawing/2010/main" xmlns="">
                 <a:solidFill>
                   <a:srgbClr val="FFFFFF"/>
                 </a:solidFill>
@@ -5081,7 +4874,7 @@
           </a:ln>
           <a:extLst>
             <a:ext uri="{909E8E84-426E-40dd-AFC4-6F175D3DCCD1}">
-              <a14:hiddenFill xmlns="" xmlns:a14="http://schemas.microsoft.com/office/drawing/2010/main">
+              <a14:hiddenFill xmlns:a14="http://schemas.microsoft.com/office/drawing/2010/main" xmlns="">
                 <a:solidFill>
                   <a:srgbClr val="FFFFFF"/>
                 </a:solidFill>
@@ -5127,7 +4920,7 @@
           </a:ln>
           <a:extLst>
             <a:ext uri="{909E8E84-426E-40dd-AFC4-6F175D3DCCD1}">
-              <a14:hiddenFill xmlns="" xmlns:a14="http://schemas.microsoft.com/office/drawing/2010/main">
+              <a14:hiddenFill xmlns:a14="http://schemas.microsoft.com/office/drawing/2010/main" xmlns="">
                 <a:solidFill>
                   <a:srgbClr val="FFFFFF"/>
                 </a:solidFill>
@@ -5173,7 +4966,7 @@
           </a:ln>
           <a:extLst>
             <a:ext uri="{909E8E84-426E-40dd-AFC4-6F175D3DCCD1}">
-              <a14:hiddenFill xmlns="" xmlns:a14="http://schemas.microsoft.com/office/drawing/2010/main">
+              <a14:hiddenFill xmlns:a14="http://schemas.microsoft.com/office/drawing/2010/main" xmlns="">
                 <a:solidFill>
                   <a:srgbClr val="FFFFFF"/>
                 </a:solidFill>
@@ -7365,7 +7158,7 @@
           <a:p>
             <a:fld id="{6E39BF48-6E0A-4E37-BB05-8DF70571673D}" type="datetimeFigureOut">
               <a:rPr lang="en-US" smtClean="0"/>
-              <a:t>11/12/19</a:t>
+              <a:t>8/10/20</a:t>
             </a:fld>
             <a:endParaRPr lang="en-US"/>
           </a:p>
@@ -13377,8 +13170,8 @@
           <a:chExt cx="0" cy="0"/>
         </a:xfrm>
       </p:grpSpPr>
-      <mc:AlternateContent xmlns:mc="http://schemas.openxmlformats.org/markup-compatibility/2006">
-        <mc:Choice xmlns:a14="http://schemas.microsoft.com/office/drawing/2010/main" Requires="a14">
+      <mc:AlternateContent xmlns:mc="http://schemas.openxmlformats.org/markup-compatibility/2006" xmlns:a14="http://schemas.microsoft.com/office/drawing/2010/main">
+        <mc:Choice Requires="a14">
           <p:sp>
             <p:nvSpPr>
               <p:cNvPr id="24579" name="Content Placeholder 2"/>
@@ -13464,7 +13257,7 @@
             </p:txBody>
           </p:sp>
         </mc:Choice>
-        <mc:Fallback>
+        <mc:Fallback xmlns="">
           <p:sp>
             <p:nvSpPr>
               <p:cNvPr id="24579" name="Content Placeholder 2"/>
